--- a/Lunch Break.pptx
+++ b/Lunch Break.pptx
@@ -6313,8 +6313,8 @@
         </p:nvSpPr>
         <p:spPr>
           <a:xfrm>
-            <a:off x="2944536" y="398552"/>
-            <a:ext cx="6996279" cy="1054135"/>
+            <a:off x="2608977" y="35345"/>
+            <a:ext cx="7801761" cy="1546577"/>
           </a:xfrm>
           <a:prstGeom prst="rect">
             <a:avLst/>
@@ -6421,49 +6421,35 @@
             </a:lvl9pPr>
           </a:lstStyle>
           <a:p>
-            <a:pPr algn="r"/>
             <a:r>
               <a:rPr lang="en-US" sz="3200" b="1" dirty="0">
                 <a:latin typeface="Arial" panose="020B0604020202020204" pitchFamily="34" charset="0"/>
                 <a:cs typeface="Arial" panose="020B0604020202020204" pitchFamily="34" charset="0"/>
               </a:rPr>
-              <a:t>Denver Dev </a:t>
-            </a:r>
-            <a:r>
-              <a:rPr lang="en-US" sz="3200" b="1" dirty="0" smtClean="0">
+              <a:t>Denver Dev Day June 23, 2017</a:t>
+            </a:r>
+          </a:p>
+          <a:p>
+            <a:r>
+              <a:rPr lang="en-US" sz="3200" b="1">
                 <a:latin typeface="Arial" panose="020B0604020202020204" pitchFamily="34" charset="0"/>
                 <a:cs typeface="Arial" panose="020B0604020202020204" pitchFamily="34" charset="0"/>
               </a:rPr>
-              <a:t>Day June </a:t>
-            </a:r>
+              <a:t>                        Up Next…</a:t>
+            </a:r>
+            <a:endParaRPr lang="en-US" sz="3200" b="1" dirty="0">
+              <a:latin typeface="Arial" panose="020B0604020202020204" pitchFamily="34" charset="0"/>
+              <a:cs typeface="Arial" panose="020B0604020202020204" pitchFamily="34" charset="0"/>
+            </a:endParaRPr>
+          </a:p>
+          <a:p>
             <a:r>
               <a:rPr lang="en-US" sz="3200" b="1" dirty="0">
                 <a:latin typeface="Arial" panose="020B0604020202020204" pitchFamily="34" charset="0"/>
                 <a:cs typeface="Arial" panose="020B0604020202020204" pitchFamily="34" charset="0"/>
               </a:rPr>
-              <a:t>23, </a:t>
-            </a:r>
-            <a:r>
-              <a:rPr lang="en-US" sz="3200" b="1" dirty="0" smtClean="0">
-                <a:latin typeface="Arial" panose="020B0604020202020204" pitchFamily="34" charset="0"/>
-                <a:cs typeface="Arial" panose="020B0604020202020204" pitchFamily="34" charset="0"/>
-              </a:rPr>
-              <a:t>2017</a:t>
-            </a:r>
-          </a:p>
-          <a:p>
-            <a:pPr algn="r"/>
-            <a:r>
-              <a:rPr lang="en-US" sz="3200" b="1" dirty="0" smtClean="0">
-                <a:latin typeface="Arial" panose="020B0604020202020204" pitchFamily="34" charset="0"/>
-                <a:cs typeface="Arial" panose="020B0604020202020204" pitchFamily="34" charset="0"/>
-              </a:rPr>
-              <a:t>UWP Community RAH!</a:t>
-            </a:r>
-            <a:endParaRPr lang="en-US" sz="3200" b="1" dirty="0">
-              <a:latin typeface="Arial" panose="020B0604020202020204" pitchFamily="34" charset="0"/>
-              <a:cs typeface="Arial" panose="020B0604020202020204" pitchFamily="34" charset="0"/>
-            </a:endParaRPr>
+              <a:t>                            UWP Community RAH!</a:t>
+            </a:r>
           </a:p>
         </p:txBody>
       </p:sp>
@@ -6713,21 +6699,14 @@
   <p:clrMapOvr>
     <a:masterClrMapping/>
   </p:clrMapOvr>
-  <mc:AlternateContent xmlns:mc="http://schemas.openxmlformats.org/markup-compatibility/2006">
-    <mc:Choice xmlns:p14="http://schemas.microsoft.com/office/powerpoint/2010/main" Requires="p14">
+  <mc:AlternateContent xmlns:mc="http://schemas.openxmlformats.org/markup-compatibility/2006" xmlns:p14="http://schemas.microsoft.com/office/powerpoint/2010/main">
+    <mc:Choice Requires="p14">
       <p:transition spd="slow" p14:dur="2000" advTm="16039"/>
     </mc:Choice>
-    <mc:Fallback>
+    <mc:Fallback xmlns="">
       <p:transition spd="slow" advTm="16039"/>
     </mc:Fallback>
   </mc:AlternateContent>
-  <p:timing>
-    <p:tnLst>
-      <p:par>
-        <p:cTn id="1" dur="indefinite" restart="never" nodeType="tmRoot"/>
-      </p:par>
-    </p:tnLst>
-  </p:timing>
 </p:sld>
 </file>
 
@@ -6767,7 +6746,6 @@
               <a:rPr lang="en-US" dirty="0"/>
               <a:t>Check Out My Stuff</a:t>
             </a:r>
-            <a:endParaRPr lang="en-US" dirty="0"/>
           </a:p>
         </p:txBody>
       </p:sp>
@@ -6798,10 +6776,10 @@
               <a:buChar char="•"/>
             </a:pPr>
             <a:r>
-              <a:rPr lang="en-US" sz="3200" dirty="0" smtClean="0"/>
+              <a:rPr lang="en-US" sz="3200" dirty="0"/>
               <a:t>Download this presentation:</a:t>
             </a:r>
-            <a:endParaRPr lang="en-US" sz="3200" dirty="0" smtClean="0">
+            <a:endParaRPr lang="en-US" sz="3200" dirty="0">
               <a:hlinkClick r:id="rId2"/>
             </a:endParaRPr>
           </a:p>
@@ -6811,85 +6789,12 @@
               <a:buChar char="•"/>
             </a:pPr>
             <a:r>
-              <a:rPr lang="en-US" sz="2800" dirty="0" smtClean="0">
-                <a:hlinkClick r:id="rId2"/>
-              </a:rPr>
-              <a:t>https</a:t>
-            </a:r>
-            <a:r>
               <a:rPr lang="en-US" sz="2800" dirty="0">
                 <a:hlinkClick r:id="rId2"/>
               </a:rPr>
-              <a:t>://</a:t>
-            </a:r>
-            <a:r>
-              <a:rPr lang="en-US" sz="2800" dirty="0" smtClean="0">
-                <a:hlinkClick r:id="rId2"/>
-              </a:rPr>
-              <a:t>github.com/SpilledMilkCOM/DenDevDayUWP</a:t>
+              <a:t>https://github.com/SpilledMilkCOM/DenDevDayUWP</a:t>
             </a:r>
             <a:endParaRPr lang="en-US" sz="2800" dirty="0"/>
-          </a:p>
-          <a:p>
-            <a:pPr marL="457200" indent="-457200">
-              <a:buFont typeface="Arial" panose="020B0604020202020204" pitchFamily="34" charset="0"/>
-              <a:buChar char="•"/>
-            </a:pPr>
-            <a:endParaRPr lang="en-US" sz="3200" dirty="0" smtClean="0"/>
-          </a:p>
-          <a:p>
-            <a:pPr marL="457200" indent="-457200">
-              <a:buFont typeface="Arial" panose="020B0604020202020204" pitchFamily="34" charset="0"/>
-              <a:buChar char="•"/>
-            </a:pPr>
-            <a:r>
-              <a:rPr lang="en-US" sz="3200" dirty="0" smtClean="0"/>
-              <a:t>     Live Tweet</a:t>
-            </a:r>
-            <a:r>
-              <a:rPr lang="en-US" sz="3200" dirty="0"/>
-              <a:t>		</a:t>
-            </a:r>
-            <a:r>
-              <a:rPr lang="en-US" sz="3200" dirty="0"/>
-              <a:t>  @</a:t>
-            </a:r>
-            <a:r>
-              <a:rPr lang="en-US" sz="3200" dirty="0" err="1"/>
-              <a:t>SpilledMilkCOM</a:t>
-            </a:r>
-            <a:endParaRPr lang="en-US" sz="3200" dirty="0"/>
-          </a:p>
-          <a:p>
-            <a:pPr marL="457200" indent="-457200">
-              <a:buFont typeface="Arial" panose="020B0604020202020204" pitchFamily="34" charset="0"/>
-              <a:buChar char="•"/>
-            </a:pPr>
-            <a:endParaRPr lang="en-US" sz="3200" dirty="0" smtClean="0"/>
-          </a:p>
-          <a:p>
-            <a:pPr marL="457200" indent="-457200">
-              <a:buFont typeface="Arial" panose="020B0604020202020204" pitchFamily="34" charset="0"/>
-              <a:buChar char="•"/>
-            </a:pPr>
-            <a:r>
-              <a:rPr lang="en-US" sz="3200" dirty="0" smtClean="0"/>
-              <a:t>     </a:t>
-            </a:r>
-            <a:r>
-              <a:rPr lang="en-US" sz="3200" dirty="0" smtClean="0">
-                <a:hlinkClick r:id="rId3"/>
-              </a:rPr>
-              <a:t>www.CheckOutMyStuff.net</a:t>
-            </a:r>
-            <a:r>
-              <a:rPr lang="en-US" sz="3200" dirty="0"/>
-              <a:t> </a:t>
-            </a:r>
-            <a:r>
-              <a:rPr lang="en-US" sz="3200" dirty="0" smtClean="0"/>
-              <a:t>– Free library</a:t>
-            </a:r>
           </a:p>
           <a:p>
             <a:pPr marL="457200" indent="-457200">
@@ -6904,10 +6809,58 @@
               <a:buChar char="•"/>
             </a:pPr>
             <a:r>
-              <a:rPr lang="en-US" sz="3200" dirty="0" smtClean="0"/>
+              <a:rPr lang="en-US" sz="3200" dirty="0"/>
+              <a:t>     Live Tweet		  @</a:t>
+            </a:r>
+            <a:r>
+              <a:rPr lang="en-US" sz="3200" dirty="0" err="1"/>
+              <a:t>SpilledMilkCOM</a:t>
+            </a:r>
+            <a:endParaRPr lang="en-US" sz="3200" dirty="0"/>
+          </a:p>
+          <a:p>
+            <a:pPr marL="457200" indent="-457200">
+              <a:buFont typeface="Arial" panose="020B0604020202020204" pitchFamily="34" charset="0"/>
+              <a:buChar char="•"/>
+            </a:pPr>
+            <a:endParaRPr lang="en-US" sz="3200" dirty="0"/>
+          </a:p>
+          <a:p>
+            <a:pPr marL="457200" indent="-457200">
+              <a:buFont typeface="Arial" panose="020B0604020202020204" pitchFamily="34" charset="0"/>
+              <a:buChar char="•"/>
+            </a:pPr>
+            <a:r>
+              <a:rPr lang="en-US" sz="3200" dirty="0"/>
+              <a:t>     </a:t>
+            </a:r>
+            <a:r>
+              <a:rPr lang="en-US" sz="3200" dirty="0">
+                <a:hlinkClick r:id="rId3"/>
+              </a:rPr>
+              <a:t>www.CheckOutMyStuff.net</a:t>
+            </a:r>
+            <a:r>
+              <a:rPr lang="en-US" sz="3200" dirty="0"/>
+              <a:t> – Free library</a:t>
+            </a:r>
+          </a:p>
+          <a:p>
+            <a:pPr marL="457200" indent="-457200">
+              <a:buFont typeface="Arial" panose="020B0604020202020204" pitchFamily="34" charset="0"/>
+              <a:buChar char="•"/>
+            </a:pPr>
+            <a:endParaRPr lang="en-US" sz="3200" dirty="0"/>
+          </a:p>
+          <a:p>
+            <a:pPr marL="457200" indent="-457200">
+              <a:buFont typeface="Arial" panose="020B0604020202020204" pitchFamily="34" charset="0"/>
+              <a:buChar char="•"/>
+            </a:pPr>
+            <a:r>
+              <a:rPr lang="en-US" sz="3200" dirty="0"/>
               <a:t>      Idiot Driver (from the Windows Store)</a:t>
             </a:r>
-            <a:endParaRPr lang="en-US" sz="3200" dirty="0"/>
           </a:p>
         </p:txBody>
       </p:sp>
@@ -7065,21 +7018,14 @@
   <p:clrMapOvr>
     <a:masterClrMapping/>
   </p:clrMapOvr>
-  <mc:AlternateContent xmlns:mc="http://schemas.openxmlformats.org/markup-compatibility/2006">
-    <mc:Choice xmlns:p14="http://schemas.microsoft.com/office/powerpoint/2010/main" Requires="p14">
+  <mc:AlternateContent xmlns:mc="http://schemas.openxmlformats.org/markup-compatibility/2006" xmlns:p14="http://schemas.microsoft.com/office/powerpoint/2010/main">
+    <mc:Choice Requires="p14">
       <p:transition spd="slow" p14:dur="2000" advTm="6141"/>
     </mc:Choice>
-    <mc:Fallback>
+    <mc:Fallback xmlns="">
       <p:transition spd="slow" advTm="6141"/>
     </mc:Fallback>
   </mc:AlternateContent>
-  <p:timing>
-    <p:tnLst>
-      <p:par>
-        <p:cTn id="1" dur="indefinite" restart="never" nodeType="tmRoot"/>
-      </p:par>
-    </p:tnLst>
-  </p:timing>
 </p:sld>
 </file>
 
